--- a/Presentation/slides.pptx
+++ b/Presentation/slides.pptx
@@ -2947,7 +2947,29 @@
               </a:spcAft>
               <a:buNone/>
             </a:pPr>
-            <a:endParaRPr lang="it-IT" dirty="0"/>
+            <a:r>
+              <a:rPr lang="it-IT" dirty="0"/>
+              <a:t>- </a:t>
+            </a:r>
+            <a:r>
+              <a:rPr lang="en-US" dirty="0"/>
+              <a:t>Once we </a:t>
+            </a:r>
+            <a:r>
+              <a:rPr lang="en-US" dirty="0" err="1"/>
+              <a:t>choosed</a:t>
+            </a:r>
+            <a:r>
+              <a:rPr lang="en-US" dirty="0"/>
+              <a:t> the datasets we worked on the cleaning and merging of the data</a:t>
+            </a:r>
+            <a:br>
+              <a:rPr lang="en-US" dirty="0"/>
+            </a:br>
+            <a:r>
+              <a:rPr lang="en-US" dirty="0"/>
+              <a:t>- There were some main problems with the data that we had to fix:</a:t>
+            </a:r>
           </a:p>
           <a:p>
             <a:pPr marL="0" indent="0" algn="l" rtl="0">
@@ -2960,16 +2982,8 @@
               <a:buNone/>
             </a:pPr>
             <a:r>
-              <a:rPr lang="it-IT" dirty="0"/>
-              <a:t>Data </a:t>
-            </a:r>
-            <a:r>
-              <a:rPr lang="it-IT" dirty="0" err="1"/>
-              <a:t>Clean</a:t>
-            </a:r>
-            <a:r>
-              <a:rPr lang="it-IT" dirty="0"/>
-              <a:t>:</a:t>
+              <a:rPr lang="en-US" dirty="0"/>
+              <a:t>    - multiple rows for the same song because of multiple artists</a:t>
             </a:r>
           </a:p>
           <a:p>
@@ -2983,564 +2997,8 @@
               <a:buNone/>
             </a:pPr>
             <a:r>
-              <a:rPr lang="it-IT" dirty="0" err="1"/>
-              <a:t>There</a:t>
-            </a:r>
-            <a:r>
-              <a:rPr lang="it-IT" dirty="0"/>
-              <a:t> </a:t>
-            </a:r>
-            <a:r>
-              <a:rPr lang="it-IT" dirty="0" err="1"/>
-              <a:t>may</a:t>
-            </a:r>
-            <a:r>
-              <a:rPr lang="it-IT" dirty="0"/>
-              <a:t> be multiple lines </a:t>
-            </a:r>
-            <a:r>
-              <a:rPr lang="it-IT" dirty="0" err="1"/>
-              <a:t>referring</a:t>
-            </a:r>
-            <a:r>
-              <a:rPr lang="it-IT" dirty="0"/>
-              <a:t> to the </a:t>
-            </a:r>
-            <a:r>
-              <a:rPr lang="it-IT" dirty="0" err="1"/>
-              <a:t>same</a:t>
-            </a:r>
-            <a:r>
-              <a:rPr lang="it-IT" dirty="0"/>
-              <a:t> </a:t>
-            </a:r>
-            <a:r>
-              <a:rPr lang="it-IT" dirty="0" err="1"/>
-              <a:t>song</a:t>
-            </a:r>
-            <a:r>
-              <a:rPr lang="it-IT" dirty="0"/>
-              <a:t>, for </a:t>
-            </a:r>
-            <a:r>
-              <a:rPr lang="it-IT" dirty="0" err="1"/>
-              <a:t>example</a:t>
-            </a:r>
-            <a:r>
-              <a:rPr lang="it-IT" dirty="0"/>
-              <a:t> </a:t>
-            </a:r>
-            <a:r>
-              <a:rPr lang="it-IT" dirty="0" err="1"/>
-              <a:t>if</a:t>
-            </a:r>
-            <a:r>
-              <a:rPr lang="it-IT" dirty="0"/>
-              <a:t> a </a:t>
-            </a:r>
-            <a:r>
-              <a:rPr lang="it-IT" dirty="0" err="1"/>
-              <a:t>song</a:t>
-            </a:r>
-            <a:r>
-              <a:rPr lang="it-IT" dirty="0"/>
-              <a:t> </a:t>
-            </a:r>
-            <a:r>
-              <a:rPr lang="it-IT" dirty="0" err="1"/>
-              <a:t>was</a:t>
-            </a:r>
-            <a:r>
-              <a:rPr lang="it-IT" dirty="0"/>
-              <a:t> made by multiple </a:t>
-            </a:r>
-            <a:r>
-              <a:rPr lang="it-IT" dirty="0" err="1"/>
-              <a:t>artists</a:t>
-            </a:r>
-            <a:r>
-              <a:rPr lang="it-IT" dirty="0"/>
-              <a:t>, </a:t>
-            </a:r>
-            <a:r>
-              <a:rPr lang="it-IT" dirty="0" err="1"/>
-              <a:t>each</a:t>
-            </a:r>
-            <a:r>
-              <a:rPr lang="it-IT" dirty="0"/>
-              <a:t> </a:t>
-            </a:r>
-            <a:r>
-              <a:rPr lang="it-IT" dirty="0" err="1"/>
-              <a:t>row</a:t>
-            </a:r>
-            <a:r>
-              <a:rPr lang="it-IT" dirty="0"/>
-              <a:t> </a:t>
-            </a:r>
-            <a:r>
-              <a:rPr lang="it-IT" dirty="0" err="1"/>
-              <a:t>should</a:t>
-            </a:r>
-            <a:r>
-              <a:rPr lang="it-IT" dirty="0"/>
-              <a:t> </a:t>
-            </a:r>
-            <a:r>
-              <a:rPr lang="it-IT" dirty="0" err="1"/>
-              <a:t>have</a:t>
-            </a:r>
-            <a:r>
-              <a:rPr lang="it-IT" dirty="0"/>
-              <a:t> the </a:t>
-            </a:r>
-            <a:r>
-              <a:rPr lang="it-IT" dirty="0" err="1"/>
-              <a:t>same</a:t>
-            </a:r>
-            <a:r>
-              <a:rPr lang="it-IT" dirty="0"/>
-              <a:t> </a:t>
-            </a:r>
-            <a:r>
-              <a:rPr lang="it-IT" dirty="0" err="1"/>
-              <a:t>values</a:t>
-            </a:r>
-            <a:r>
-              <a:rPr lang="it-IT" dirty="0"/>
-              <a:t> for </a:t>
-            </a:r>
-            <a:r>
-              <a:rPr lang="it-IT" dirty="0" err="1"/>
-              <a:t>everything</a:t>
-            </a:r>
-            <a:r>
-              <a:rPr lang="it-IT" dirty="0"/>
-              <a:t> </a:t>
-            </a:r>
-            <a:r>
-              <a:rPr lang="it-IT" dirty="0" err="1"/>
-              <a:t>except</a:t>
-            </a:r>
-            <a:r>
-              <a:rPr lang="it-IT" dirty="0"/>
-              <a:t> for the </a:t>
-            </a:r>
-            <a:r>
-              <a:rPr lang="it-IT" dirty="0" err="1"/>
-              <a:t>artist</a:t>
-            </a:r>
-            <a:r>
-              <a:rPr lang="it-IT" dirty="0"/>
-              <a:t>. </a:t>
-            </a:r>
-            <a:r>
-              <a:rPr lang="it-IT" dirty="0" err="1"/>
-              <a:t>Sometimes</a:t>
-            </a:r>
-            <a:r>
-              <a:rPr lang="it-IT" dirty="0"/>
-              <a:t> </a:t>
-            </a:r>
-            <a:r>
-              <a:rPr lang="it-IT" dirty="0" err="1"/>
-              <a:t>it</a:t>
-            </a:r>
-            <a:r>
-              <a:rPr lang="it-IT" dirty="0"/>
-              <a:t> </a:t>
-            </a:r>
-            <a:r>
-              <a:rPr lang="it-IT" dirty="0" err="1"/>
-              <a:t>happens</a:t>
-            </a:r>
-            <a:r>
-              <a:rPr lang="it-IT" dirty="0"/>
-              <a:t> </a:t>
-            </a:r>
-            <a:r>
-              <a:rPr lang="it-IT" dirty="0" err="1"/>
-              <a:t>that</a:t>
-            </a:r>
-            <a:r>
-              <a:rPr lang="it-IT" dirty="0"/>
-              <a:t> some </a:t>
-            </a:r>
-            <a:r>
-              <a:rPr lang="it-IT" dirty="0" err="1"/>
-              <a:t>values</a:t>
-            </a:r>
-            <a:r>
-              <a:rPr lang="it-IT" dirty="0"/>
-              <a:t> </a:t>
-            </a:r>
-            <a:r>
-              <a:rPr lang="it-IT" dirty="0" err="1"/>
-              <a:t>that</a:t>
-            </a:r>
-            <a:r>
-              <a:rPr lang="it-IT" dirty="0"/>
-              <a:t> </a:t>
-            </a:r>
-            <a:r>
-              <a:rPr lang="it-IT" dirty="0" err="1"/>
-              <a:t>should</a:t>
-            </a:r>
-            <a:r>
-              <a:rPr lang="it-IT" dirty="0"/>
-              <a:t> be the </a:t>
-            </a:r>
-            <a:r>
-              <a:rPr lang="it-IT" dirty="0" err="1"/>
-              <a:t>same</a:t>
-            </a:r>
-            <a:r>
-              <a:rPr lang="it-IT" dirty="0"/>
-              <a:t>, are </a:t>
-            </a:r>
-            <a:r>
-              <a:rPr lang="it-IT" dirty="0" err="1"/>
-              <a:t>actually</a:t>
-            </a:r>
-            <a:r>
-              <a:rPr lang="it-IT" dirty="0"/>
-              <a:t> </a:t>
-            </a:r>
-            <a:r>
-              <a:rPr lang="it-IT" dirty="0" err="1"/>
-              <a:t>different</a:t>
-            </a:r>
-            <a:r>
-              <a:rPr lang="it-IT" dirty="0"/>
-              <a:t>, </a:t>
-            </a:r>
-            <a:r>
-              <a:rPr lang="it-IT" dirty="0" err="1"/>
-              <a:t>probably</a:t>
-            </a:r>
-            <a:r>
-              <a:rPr lang="it-IT" dirty="0"/>
-              <a:t> </a:t>
-            </a:r>
-            <a:r>
-              <a:rPr lang="it-IT" dirty="0" err="1"/>
-              <a:t>as</a:t>
-            </a:r>
-            <a:r>
-              <a:rPr lang="it-IT" dirty="0"/>
-              <a:t> a </a:t>
-            </a:r>
-            <a:r>
-              <a:rPr lang="it-IT" dirty="0" err="1"/>
-              <a:t>conseguence</a:t>
-            </a:r>
-            <a:r>
-              <a:rPr lang="it-IT" dirty="0"/>
-              <a:t> of the </a:t>
-            </a:r>
-            <a:r>
-              <a:rPr lang="it-IT" dirty="0" err="1"/>
-              <a:t>fact</a:t>
-            </a:r>
-            <a:r>
-              <a:rPr lang="it-IT" dirty="0"/>
-              <a:t> </a:t>
-            </a:r>
-            <a:r>
-              <a:rPr lang="it-IT" dirty="0" err="1"/>
-              <a:t>that</a:t>
-            </a:r>
-            <a:r>
-              <a:rPr lang="it-IT" dirty="0"/>
-              <a:t> the data </a:t>
-            </a:r>
-            <a:r>
-              <a:rPr lang="it-IT" dirty="0" err="1"/>
-              <a:t>was</a:t>
-            </a:r>
-            <a:r>
-              <a:rPr lang="it-IT" dirty="0"/>
-              <a:t> </a:t>
-            </a:r>
-            <a:r>
-              <a:rPr lang="it-IT" dirty="0" err="1"/>
-              <a:t>taken</a:t>
-            </a:r>
-            <a:r>
-              <a:rPr lang="it-IT" dirty="0"/>
-              <a:t> in </a:t>
-            </a:r>
-            <a:r>
-              <a:rPr lang="it-IT" dirty="0" err="1"/>
-              <a:t>different</a:t>
-            </a:r>
-            <a:r>
-              <a:rPr lang="it-IT" dirty="0"/>
-              <a:t> moments and some </a:t>
-            </a:r>
-            <a:r>
-              <a:rPr lang="it-IT" dirty="0" err="1"/>
-              <a:t>value</a:t>
-            </a:r>
-            <a:r>
-              <a:rPr lang="it-IT" dirty="0"/>
-              <a:t> </a:t>
-            </a:r>
-            <a:r>
-              <a:rPr lang="it-IT" dirty="0" err="1"/>
-              <a:t>changed</a:t>
-            </a:r>
-            <a:r>
-              <a:rPr lang="it-IT" dirty="0"/>
-              <a:t> in the </a:t>
-            </a:r>
-            <a:r>
-              <a:rPr lang="it-IT" dirty="0" err="1"/>
-              <a:t>meanwhile</a:t>
-            </a:r>
-            <a:r>
-              <a:rPr lang="it-IT" dirty="0"/>
-              <a:t>. In </a:t>
-            </a:r>
-            <a:r>
-              <a:rPr lang="it-IT" dirty="0" err="1"/>
-              <a:t>particular</a:t>
-            </a:r>
-            <a:r>
-              <a:rPr lang="it-IT" dirty="0"/>
-              <a:t> the </a:t>
-            </a:r>
-            <a:r>
-              <a:rPr lang="it-IT" dirty="0" err="1"/>
-              <a:t>number</a:t>
-            </a:r>
-            <a:r>
-              <a:rPr lang="it-IT" dirty="0"/>
-              <a:t> of streams of a </a:t>
-            </a:r>
-            <a:r>
-              <a:rPr lang="it-IT" dirty="0" err="1"/>
-              <a:t>song</a:t>
-            </a:r>
-            <a:r>
-              <a:rPr lang="it-IT" dirty="0"/>
-              <a:t> </a:t>
-            </a:r>
-            <a:r>
-              <a:rPr lang="it-IT" dirty="0" err="1"/>
-              <a:t>has</a:t>
-            </a:r>
-            <a:r>
-              <a:rPr lang="it-IT" dirty="0"/>
-              <a:t> </a:t>
-            </a:r>
-            <a:r>
-              <a:rPr lang="it-IT" dirty="0" err="1"/>
-              <a:t>often</a:t>
-            </a:r>
-            <a:r>
-              <a:rPr lang="it-IT" dirty="0"/>
-              <a:t> </a:t>
-            </a:r>
-            <a:r>
-              <a:rPr lang="it-IT" dirty="0" err="1"/>
-              <a:t>different</a:t>
-            </a:r>
-            <a:r>
-              <a:rPr lang="it-IT" dirty="0"/>
-              <a:t> </a:t>
-            </a:r>
-            <a:r>
-              <a:rPr lang="it-IT" dirty="0" err="1"/>
-              <a:t>values</a:t>
-            </a:r>
-            <a:r>
-              <a:rPr lang="it-IT" dirty="0"/>
-              <a:t> in </a:t>
-            </a:r>
-            <a:r>
-              <a:rPr lang="it-IT" dirty="0" err="1"/>
-              <a:t>different</a:t>
-            </a:r>
-            <a:r>
-              <a:rPr lang="it-IT" dirty="0"/>
-              <a:t> </a:t>
-            </a:r>
-            <a:r>
-              <a:rPr lang="it-IT" dirty="0" err="1"/>
-              <a:t>rows</a:t>
-            </a:r>
-            <a:r>
-              <a:rPr lang="it-IT" dirty="0"/>
-              <a:t>, </a:t>
-            </a:r>
-            <a:r>
-              <a:rPr lang="it-IT" dirty="0" err="1"/>
-              <a:t>even</a:t>
-            </a:r>
-            <a:r>
-              <a:rPr lang="it-IT" dirty="0"/>
-              <a:t> </a:t>
-            </a:r>
-            <a:r>
-              <a:rPr lang="it-IT" dirty="0" err="1"/>
-              <a:t>if</a:t>
-            </a:r>
-            <a:r>
-              <a:rPr lang="it-IT" dirty="0"/>
-              <a:t> the </a:t>
-            </a:r>
-            <a:r>
-              <a:rPr lang="it-IT" dirty="0" err="1"/>
-              <a:t>song</a:t>
-            </a:r>
-            <a:r>
-              <a:rPr lang="it-IT" dirty="0"/>
-              <a:t> </a:t>
-            </a:r>
-            <a:r>
-              <a:rPr lang="it-IT" dirty="0" err="1"/>
-              <a:t>is</a:t>
-            </a:r>
-            <a:r>
-              <a:rPr lang="it-IT" dirty="0"/>
-              <a:t> the </a:t>
-            </a:r>
-            <a:r>
-              <a:rPr lang="it-IT" dirty="0" err="1"/>
-              <a:t>same</a:t>
-            </a:r>
-            <a:r>
-              <a:rPr lang="it-IT" dirty="0"/>
-              <a:t>. </a:t>
-            </a:r>
-            <a:r>
-              <a:rPr lang="it-IT" dirty="0" err="1"/>
-              <a:t>We</a:t>
-            </a:r>
-            <a:r>
-              <a:rPr lang="it-IT" dirty="0"/>
-              <a:t> </a:t>
-            </a:r>
-            <a:r>
-              <a:rPr lang="it-IT" dirty="0" err="1"/>
-              <a:t>keep</a:t>
-            </a:r>
-            <a:r>
-              <a:rPr lang="it-IT" dirty="0"/>
-              <a:t> the </a:t>
-            </a:r>
-            <a:r>
-              <a:rPr lang="it-IT" dirty="0" err="1"/>
-              <a:t>highest</a:t>
-            </a:r>
-            <a:r>
-              <a:rPr lang="it-IT" dirty="0"/>
-              <a:t> </a:t>
-            </a:r>
-            <a:r>
-              <a:rPr lang="it-IT" dirty="0" err="1"/>
-              <a:t>value</a:t>
-            </a:r>
-            <a:r>
-              <a:rPr lang="it-IT" dirty="0"/>
-              <a:t> </a:t>
-            </a:r>
-            <a:r>
-              <a:rPr lang="it-IT" dirty="0" err="1"/>
-              <a:t>since</a:t>
-            </a:r>
-            <a:r>
-              <a:rPr lang="it-IT" dirty="0"/>
-              <a:t> the </a:t>
-            </a:r>
-            <a:r>
-              <a:rPr lang="it-IT" dirty="0" err="1"/>
-              <a:t>number</a:t>
-            </a:r>
-            <a:r>
-              <a:rPr lang="it-IT" dirty="0"/>
-              <a:t> of stream </a:t>
-            </a:r>
-            <a:r>
-              <a:rPr lang="it-IT" dirty="0" err="1"/>
-              <a:t>is</a:t>
-            </a:r>
-            <a:r>
-              <a:rPr lang="it-IT" dirty="0"/>
-              <a:t> a </a:t>
-            </a:r>
-            <a:r>
-              <a:rPr lang="it-IT" dirty="0" err="1"/>
-              <a:t>monotonous</a:t>
-            </a:r>
-            <a:r>
-              <a:rPr lang="it-IT" dirty="0"/>
-              <a:t> </a:t>
-            </a:r>
-            <a:r>
-              <a:rPr lang="it-IT" dirty="0" err="1"/>
-              <a:t>increasing</a:t>
-            </a:r>
-            <a:r>
-              <a:rPr lang="it-IT" dirty="0"/>
-              <a:t> </a:t>
-            </a:r>
-            <a:r>
-              <a:rPr lang="it-IT" dirty="0" err="1"/>
-              <a:t>function</a:t>
-            </a:r>
-            <a:r>
-              <a:rPr lang="it-IT" dirty="0"/>
-              <a:t> of time (and </a:t>
-            </a:r>
-            <a:r>
-              <a:rPr lang="it-IT" dirty="0" err="1"/>
-              <a:t>thus</a:t>
-            </a:r>
-            <a:r>
-              <a:rPr lang="it-IT" dirty="0"/>
-              <a:t> the </a:t>
-            </a:r>
-            <a:r>
-              <a:rPr lang="it-IT" dirty="0" err="1"/>
-              <a:t>highest</a:t>
-            </a:r>
-            <a:r>
-              <a:rPr lang="it-IT" dirty="0"/>
-              <a:t> </a:t>
-            </a:r>
-            <a:r>
-              <a:rPr lang="it-IT" dirty="0" err="1"/>
-              <a:t>value</a:t>
-            </a:r>
-            <a:r>
-              <a:rPr lang="it-IT" dirty="0"/>
-              <a:t> </a:t>
-            </a:r>
-            <a:r>
-              <a:rPr lang="it-IT" dirty="0" err="1"/>
-              <a:t>is</a:t>
-            </a:r>
-            <a:r>
-              <a:rPr lang="it-IT" dirty="0"/>
-              <a:t> the </a:t>
-            </a:r>
-            <a:r>
-              <a:rPr lang="it-IT" dirty="0" err="1"/>
-              <a:t>most</a:t>
-            </a:r>
-            <a:r>
-              <a:rPr lang="it-IT" dirty="0"/>
-              <a:t> </a:t>
-            </a:r>
-            <a:r>
-              <a:rPr lang="it-IT" dirty="0" err="1"/>
-              <a:t>recent</a:t>
-            </a:r>
-            <a:r>
-              <a:rPr lang="it-IT" dirty="0"/>
-              <a:t>).</a:t>
+              <a:rPr lang="en-US" dirty="0"/>
+              <a:t>    - different values of number of streams</a:t>
             </a:r>
           </a:p>
           <a:p>
@@ -3554,264 +3012,8 @@
               <a:buNone/>
             </a:pPr>
             <a:r>
-              <a:rPr lang="it-IT" dirty="0"/>
-              <a:t>A </a:t>
-            </a:r>
-            <a:r>
-              <a:rPr lang="it-IT" dirty="0" err="1"/>
-              <a:t>similar</a:t>
-            </a:r>
-            <a:r>
-              <a:rPr lang="it-IT" dirty="0"/>
-              <a:t> </a:t>
-            </a:r>
-            <a:r>
-              <a:rPr lang="it-IT" dirty="0" err="1"/>
-              <a:t>resoning</a:t>
-            </a:r>
-            <a:r>
-              <a:rPr lang="it-IT" dirty="0"/>
-              <a:t> </a:t>
-            </a:r>
-            <a:r>
-              <a:rPr lang="it-IT" dirty="0" err="1"/>
-              <a:t>was</a:t>
-            </a:r>
-            <a:r>
-              <a:rPr lang="it-IT" dirty="0"/>
-              <a:t> made for the </a:t>
-            </a:r>
-            <a:r>
-              <a:rPr lang="it-IT" dirty="0" err="1"/>
-              <a:t>number</a:t>
-            </a:r>
-            <a:r>
-              <a:rPr lang="it-IT" dirty="0"/>
-              <a:t> of </a:t>
-            </a:r>
-            <a:r>
-              <a:rPr lang="it-IT" dirty="0" err="1"/>
-              <a:t>comments</a:t>
-            </a:r>
-            <a:r>
-              <a:rPr lang="it-IT" dirty="0"/>
-              <a:t>, likes, </a:t>
-            </a:r>
-            <a:r>
-              <a:rPr lang="it-IT" dirty="0" err="1"/>
-              <a:t>views</a:t>
-            </a:r>
-            <a:r>
-              <a:rPr lang="it-IT" dirty="0"/>
-              <a:t> and for the </a:t>
-            </a:r>
-            <a:r>
-              <a:rPr lang="it-IT" dirty="0" err="1"/>
-              <a:t>officiality</a:t>
-            </a:r>
-            <a:r>
-              <a:rPr lang="it-IT" dirty="0"/>
-              <a:t> of the video of a </a:t>
-            </a:r>
-            <a:r>
-              <a:rPr lang="it-IT" dirty="0" err="1"/>
-              <a:t>song</a:t>
-            </a:r>
-            <a:r>
-              <a:rPr lang="it-IT" dirty="0"/>
-              <a:t>. In </a:t>
-            </a:r>
-            <a:r>
-              <a:rPr lang="it-IT" dirty="0" err="1"/>
-              <a:t>this</a:t>
-            </a:r>
-            <a:r>
-              <a:rPr lang="it-IT" dirty="0"/>
-              <a:t> case </a:t>
-            </a:r>
-            <a:r>
-              <a:rPr lang="it-IT" dirty="0" err="1"/>
-              <a:t>we</a:t>
-            </a:r>
-            <a:r>
-              <a:rPr lang="it-IT" dirty="0"/>
-              <a:t> </a:t>
-            </a:r>
-            <a:r>
-              <a:rPr lang="it-IT" dirty="0" err="1"/>
-              <a:t>assumed</a:t>
-            </a:r>
-            <a:r>
-              <a:rPr lang="it-IT" dirty="0"/>
-              <a:t> </a:t>
-            </a:r>
-            <a:r>
-              <a:rPr lang="it-IT" dirty="0" err="1"/>
-              <a:t>that</a:t>
-            </a:r>
-            <a:r>
-              <a:rPr lang="it-IT" dirty="0"/>
-              <a:t> the </a:t>
-            </a:r>
-            <a:r>
-              <a:rPr lang="it-IT" dirty="0" err="1"/>
-              <a:t>row</a:t>
-            </a:r>
-            <a:r>
-              <a:rPr lang="it-IT" dirty="0"/>
-              <a:t> </a:t>
-            </a:r>
-            <a:r>
-              <a:rPr lang="it-IT" dirty="0" err="1"/>
-              <a:t>were</a:t>
-            </a:r>
-            <a:r>
-              <a:rPr lang="it-IT" dirty="0"/>
-              <a:t> in </a:t>
-            </a:r>
-            <a:r>
-              <a:rPr lang="it-IT" dirty="0" err="1"/>
-              <a:t>cronological</a:t>
-            </a:r>
-            <a:r>
-              <a:rPr lang="it-IT" dirty="0"/>
-              <a:t> order and </a:t>
-            </a:r>
-            <a:r>
-              <a:rPr lang="it-IT" dirty="0" err="1"/>
-              <a:t>we</a:t>
-            </a:r>
-            <a:r>
-              <a:rPr lang="it-IT" dirty="0"/>
-              <a:t> </a:t>
-            </a:r>
-            <a:r>
-              <a:rPr lang="it-IT" dirty="0" err="1"/>
-              <a:t>kept</a:t>
-            </a:r>
-            <a:r>
-              <a:rPr lang="it-IT" dirty="0"/>
-              <a:t> the last </a:t>
-            </a:r>
-            <a:r>
-              <a:rPr lang="it-IT" dirty="0" err="1"/>
-              <a:t>values</a:t>
-            </a:r>
-            <a:r>
-              <a:rPr lang="it-IT" dirty="0"/>
-              <a:t> (</a:t>
-            </a:r>
-            <a:r>
-              <a:rPr lang="it-IT" dirty="0" err="1"/>
-              <a:t>this</a:t>
-            </a:r>
-            <a:r>
-              <a:rPr lang="it-IT" dirty="0"/>
-              <a:t> </a:t>
-            </a:r>
-            <a:r>
-              <a:rPr lang="it-IT" dirty="0" err="1"/>
-              <a:t>assumption</a:t>
-            </a:r>
-            <a:r>
-              <a:rPr lang="it-IT" dirty="0"/>
-              <a:t> </a:t>
-            </a:r>
-            <a:r>
-              <a:rPr lang="it-IT" dirty="0" err="1"/>
-              <a:t>was</a:t>
-            </a:r>
-            <a:r>
-              <a:rPr lang="it-IT" dirty="0"/>
-              <a:t> </a:t>
-            </a:r>
-            <a:r>
-              <a:rPr lang="it-IT" dirty="0" err="1"/>
-              <a:t>mandatory</a:t>
-            </a:r>
-            <a:r>
-              <a:rPr lang="it-IT" dirty="0"/>
-              <a:t> </a:t>
-            </a:r>
-            <a:r>
-              <a:rPr lang="it-IT" dirty="0" err="1"/>
-              <a:t>since</a:t>
-            </a:r>
-            <a:r>
-              <a:rPr lang="it-IT" dirty="0"/>
-              <a:t> the </a:t>
-            </a:r>
-            <a:r>
-              <a:rPr lang="it-IT" dirty="0" err="1"/>
-              <a:t>most</a:t>
-            </a:r>
-            <a:r>
-              <a:rPr lang="it-IT" dirty="0"/>
-              <a:t> </a:t>
-            </a:r>
-            <a:r>
-              <a:rPr lang="it-IT" dirty="0" err="1"/>
-              <a:t>recent</a:t>
-            </a:r>
-            <a:r>
-              <a:rPr lang="it-IT" dirty="0"/>
-              <a:t> </a:t>
-            </a:r>
-            <a:r>
-              <a:rPr lang="it-IT" dirty="0" err="1"/>
-              <a:t>officiality</a:t>
-            </a:r>
-            <a:r>
-              <a:rPr lang="it-IT" dirty="0"/>
-              <a:t> </a:t>
-            </a:r>
-            <a:r>
-              <a:rPr lang="it-IT" dirty="0" err="1"/>
-              <a:t>value</a:t>
-            </a:r>
-            <a:r>
-              <a:rPr lang="it-IT" dirty="0"/>
-              <a:t> </a:t>
-            </a:r>
-            <a:r>
-              <a:rPr lang="it-IT" dirty="0" err="1"/>
-              <a:t>cannot</a:t>
-            </a:r>
-            <a:r>
-              <a:rPr lang="it-IT" dirty="0"/>
-              <a:t> be </a:t>
-            </a:r>
-            <a:r>
-              <a:rPr lang="it-IT" dirty="0" err="1"/>
-              <a:t>choosen</a:t>
-            </a:r>
-            <a:r>
-              <a:rPr lang="it-IT" dirty="0"/>
-              <a:t> </a:t>
-            </a:r>
-            <a:r>
-              <a:rPr lang="it-IT" dirty="0" err="1"/>
-              <a:t>as</a:t>
-            </a:r>
-            <a:r>
-              <a:rPr lang="it-IT" dirty="0"/>
-              <a:t> the </a:t>
-            </a:r>
-            <a:r>
-              <a:rPr lang="it-IT" dirty="0" err="1"/>
-              <a:t>other</a:t>
-            </a:r>
-            <a:r>
-              <a:rPr lang="it-IT" dirty="0"/>
-              <a:t> </a:t>
-            </a:r>
-            <a:r>
-              <a:rPr lang="it-IT" dirty="0" err="1"/>
-              <a:t>values</a:t>
-            </a:r>
-            <a:r>
-              <a:rPr lang="it-IT" dirty="0"/>
-              <a:t>).</a:t>
+              <a:rPr lang="en-US" dirty="0"/>
+              <a:t>    - we keep the highest value because is a MONOTONOUS INCREASING FUNCTION of time (highest = most recent)</a:t>
             </a:r>
           </a:p>
           <a:p>
@@ -3824,7 +3026,10 @@
               </a:spcAft>
               <a:buNone/>
             </a:pPr>
-            <a:endParaRPr lang="it-IT" dirty="0"/>
+            <a:r>
+              <a:rPr lang="en-US" dirty="0"/>
+              <a:t>    - similar reasoning for comments, likes, views and officiality of a video</a:t>
+            </a:r>
           </a:p>
           <a:p>
             <a:pPr marL="0" indent="0" algn="l" rtl="0">
@@ -3837,180 +3042,8 @@
               <a:buNone/>
             </a:pPr>
             <a:r>
-              <a:rPr lang="it-IT" dirty="0" err="1"/>
-              <a:t>We</a:t>
-            </a:r>
-            <a:r>
-              <a:rPr lang="it-IT" dirty="0"/>
-              <a:t> </a:t>
-            </a:r>
-            <a:r>
-              <a:rPr lang="it-IT" dirty="0" err="1"/>
-              <a:t>then</a:t>
-            </a:r>
-            <a:r>
-              <a:rPr lang="it-IT" dirty="0"/>
-              <a:t> </a:t>
-            </a:r>
-            <a:r>
-              <a:rPr lang="it-IT" dirty="0" err="1"/>
-              <a:t>merged</a:t>
-            </a:r>
-            <a:r>
-              <a:rPr lang="it-IT" dirty="0"/>
-              <a:t> the </a:t>
-            </a:r>
-            <a:r>
-              <a:rPr lang="it-IT" dirty="0" err="1"/>
-              <a:t>rows</a:t>
-            </a:r>
-            <a:r>
-              <a:rPr lang="it-IT" dirty="0"/>
-              <a:t> of the </a:t>
-            </a:r>
-            <a:r>
-              <a:rPr lang="it-IT" dirty="0" err="1"/>
-              <a:t>two</a:t>
-            </a:r>
-            <a:r>
-              <a:rPr lang="it-IT" dirty="0"/>
-              <a:t> database </a:t>
-            </a:r>
-            <a:r>
-              <a:rPr lang="it-IT" dirty="0" err="1"/>
-              <a:t>based</a:t>
-            </a:r>
-            <a:r>
-              <a:rPr lang="it-IT" dirty="0"/>
-              <a:t> on the track id (</a:t>
-            </a:r>
-            <a:r>
-              <a:rPr lang="it-IT" dirty="0" err="1"/>
-              <a:t>both</a:t>
-            </a:r>
-            <a:r>
-              <a:rPr lang="it-IT" dirty="0"/>
-              <a:t> datasets </a:t>
-            </a:r>
-            <a:r>
-              <a:rPr lang="it-IT" dirty="0" err="1"/>
-              <a:t>had</a:t>
-            </a:r>
-            <a:r>
-              <a:rPr lang="it-IT" dirty="0"/>
-              <a:t> </a:t>
-            </a:r>
-            <a:r>
-              <a:rPr lang="it-IT" dirty="0" err="1"/>
-              <a:t>it</a:t>
-            </a:r>
-            <a:r>
-              <a:rPr lang="it-IT" dirty="0"/>
-              <a:t>). One of the </a:t>
-            </a:r>
-            <a:r>
-              <a:rPr lang="it-IT" dirty="0" err="1"/>
-              <a:t>two</a:t>
-            </a:r>
-            <a:r>
-              <a:rPr lang="it-IT" dirty="0"/>
-              <a:t> datasets </a:t>
-            </a:r>
-            <a:r>
-              <a:rPr lang="it-IT" dirty="0" err="1"/>
-              <a:t>had</a:t>
-            </a:r>
-            <a:r>
-              <a:rPr lang="it-IT" dirty="0"/>
-              <a:t> the track id in the format "</a:t>
-            </a:r>
-            <a:r>
-              <a:rPr lang="it-IT" dirty="0" err="1"/>
-              <a:t>spotify:track</a:t>
-            </a:r>
-            <a:r>
-              <a:rPr lang="it-IT" dirty="0"/>
-              <a:t>:&lt;id&gt;" (for </a:t>
-            </a:r>
-            <a:r>
-              <a:rPr lang="it-IT" dirty="0" err="1"/>
-              <a:t>example</a:t>
-            </a:r>
-            <a:r>
-              <a:rPr lang="it-IT" dirty="0"/>
-              <a:t> "spotify:track:0d28khcov6AiegSCpG5TuT" </a:t>
-            </a:r>
-            <a:r>
-              <a:rPr lang="it-IT" dirty="0" err="1"/>
-              <a:t>while</a:t>
-            </a:r>
-            <a:r>
-              <a:rPr lang="it-IT" dirty="0"/>
-              <a:t> the </a:t>
-            </a:r>
-            <a:r>
-              <a:rPr lang="it-IT" dirty="0" err="1"/>
-              <a:t>other</a:t>
-            </a:r>
-            <a:r>
-              <a:rPr lang="it-IT" dirty="0"/>
-              <a:t> </a:t>
-            </a:r>
-            <a:r>
-              <a:rPr lang="it-IT" dirty="0" err="1"/>
-              <a:t>only</a:t>
-            </a:r>
-            <a:r>
-              <a:rPr lang="it-IT" dirty="0"/>
-              <a:t> </a:t>
-            </a:r>
-            <a:r>
-              <a:rPr lang="it-IT" dirty="0" err="1"/>
-              <a:t>had</a:t>
-            </a:r>
-            <a:r>
-              <a:rPr lang="it-IT" dirty="0"/>
-              <a:t> "&lt;id&gt;" (for </a:t>
-            </a:r>
-            <a:r>
-              <a:rPr lang="it-IT" dirty="0" err="1"/>
-              <a:t>example</a:t>
-            </a:r>
-            <a:r>
-              <a:rPr lang="it-IT" dirty="0"/>
-              <a:t> "0d28khcov6AiegSCpG5TuT") so </a:t>
-            </a:r>
-            <a:r>
-              <a:rPr lang="it-IT" dirty="0" err="1"/>
-              <a:t>we</a:t>
-            </a:r>
-            <a:r>
-              <a:rPr lang="it-IT" dirty="0"/>
-              <a:t> </a:t>
-            </a:r>
-            <a:r>
-              <a:rPr lang="it-IT" dirty="0" err="1"/>
-              <a:t>edited</a:t>
-            </a:r>
-            <a:r>
-              <a:rPr lang="it-IT" dirty="0"/>
-              <a:t> the first one in order to </a:t>
-            </a:r>
-            <a:r>
-              <a:rPr lang="it-IT" dirty="0" err="1"/>
-              <a:t>have</a:t>
-            </a:r>
-            <a:r>
-              <a:rPr lang="it-IT" dirty="0"/>
-              <a:t> the </a:t>
-            </a:r>
-            <a:r>
-              <a:rPr lang="it-IT" dirty="0" err="1"/>
-              <a:t>same</a:t>
-            </a:r>
-            <a:r>
-              <a:rPr lang="it-IT" dirty="0"/>
-              <a:t> format of the second one.</a:t>
+              <a:rPr lang="en-US" dirty="0"/>
+              <a:t>    - officiality is not a monotonous increasing function of time so WE ASSUMED CHRONOLOGICAL ORDER</a:t>
             </a:r>
           </a:p>
           <a:p>
@@ -4023,7 +3056,7 @@
               </a:spcAft>
               <a:buNone/>
             </a:pPr>
-            <a:endParaRPr lang="it-IT" dirty="0"/>
+            <a:endParaRPr lang="en-US" dirty="0"/>
           </a:p>
           <a:p>
             <a:pPr marL="0" indent="0" algn="l" rtl="0">
@@ -4036,8 +3069,8 @@
               <a:buNone/>
             </a:pPr>
             <a:r>
-              <a:rPr lang="it-IT" dirty="0"/>
-              <a:t>Data Load:</a:t>
+              <a:rPr lang="en-US" dirty="0"/>
+              <a:t>- Then we merged the data based on track id (managing eventual different data format of some fields)</a:t>
             </a:r>
           </a:p>
           <a:p>
@@ -4050,306 +3083,7 @@
               </a:spcAft>
               <a:buNone/>
             </a:pPr>
-            <a:r>
-              <a:rPr lang="it-IT" dirty="0"/>
-              <a:t>For </a:t>
-            </a:r>
-            <a:r>
-              <a:rPr lang="it-IT" dirty="0" err="1"/>
-              <a:t>each</a:t>
-            </a:r>
-            <a:r>
-              <a:rPr lang="it-IT" dirty="0"/>
-              <a:t> </a:t>
-            </a:r>
-            <a:r>
-              <a:rPr lang="it-IT" dirty="0" err="1"/>
-              <a:t>row</a:t>
-            </a:r>
-            <a:r>
-              <a:rPr lang="it-IT" dirty="0"/>
-              <a:t> of the </a:t>
-            </a:r>
-            <a:r>
-              <a:rPr lang="it-IT" dirty="0" err="1"/>
-              <a:t>merged</a:t>
-            </a:r>
-            <a:r>
-              <a:rPr lang="it-IT" dirty="0"/>
-              <a:t> dataset </a:t>
-            </a:r>
-            <a:r>
-              <a:rPr lang="it-IT" dirty="0" err="1"/>
-              <a:t>we</a:t>
-            </a:r>
-            <a:r>
-              <a:rPr lang="it-IT" dirty="0"/>
-              <a:t> create a </a:t>
-            </a:r>
-            <a:r>
-              <a:rPr lang="it-IT" dirty="0" err="1"/>
-              <a:t>node</a:t>
-            </a:r>
-            <a:r>
-              <a:rPr lang="it-IT" dirty="0"/>
-              <a:t> for </a:t>
-            </a:r>
-            <a:r>
-              <a:rPr lang="it-IT" dirty="0" err="1"/>
-              <a:t>each</a:t>
-            </a:r>
-            <a:r>
-              <a:rPr lang="it-IT" dirty="0"/>
-              <a:t> </a:t>
-            </a:r>
-            <a:r>
-              <a:rPr lang="it-IT" dirty="0" err="1"/>
-              <a:t>entity</a:t>
-            </a:r>
-            <a:r>
-              <a:rPr lang="it-IT" dirty="0"/>
-              <a:t> (</a:t>
-            </a:r>
-            <a:r>
-              <a:rPr lang="it-IT" dirty="0" err="1"/>
-              <a:t>based</a:t>
-            </a:r>
-            <a:r>
-              <a:rPr lang="it-IT" dirty="0"/>
-              <a:t> on the </a:t>
-            </a:r>
-            <a:r>
-              <a:rPr lang="it-IT" dirty="0" err="1"/>
-              <a:t>ontology</a:t>
-            </a:r>
-            <a:r>
-              <a:rPr lang="it-IT" dirty="0"/>
-              <a:t>), </a:t>
-            </a:r>
-            <a:r>
-              <a:rPr lang="it-IT" dirty="0" err="1"/>
-              <a:t>then</a:t>
-            </a:r>
-            <a:r>
-              <a:rPr lang="it-IT" dirty="0"/>
-              <a:t> </a:t>
-            </a:r>
-            <a:r>
-              <a:rPr lang="it-IT" dirty="0" err="1"/>
-              <a:t>we</a:t>
-            </a:r>
-            <a:r>
-              <a:rPr lang="it-IT" dirty="0"/>
-              <a:t> check </a:t>
-            </a:r>
-            <a:r>
-              <a:rPr lang="it-IT" dirty="0" err="1"/>
-              <a:t>whether</a:t>
-            </a:r>
-            <a:r>
-              <a:rPr lang="it-IT" dirty="0"/>
-              <a:t> the </a:t>
-            </a:r>
-            <a:r>
-              <a:rPr lang="it-IT" dirty="0" err="1"/>
-              <a:t>entity</a:t>
-            </a:r>
-            <a:r>
-              <a:rPr lang="it-IT" dirty="0"/>
-              <a:t> </a:t>
-            </a:r>
-            <a:r>
-              <a:rPr lang="it-IT" dirty="0" err="1"/>
-              <a:t>was</a:t>
-            </a:r>
-            <a:r>
-              <a:rPr lang="it-IT" dirty="0"/>
-              <a:t> </a:t>
-            </a:r>
-            <a:r>
-              <a:rPr lang="it-IT" dirty="0" err="1"/>
-              <a:t>already</a:t>
-            </a:r>
-            <a:r>
-              <a:rPr lang="it-IT" dirty="0"/>
-              <a:t> </a:t>
-            </a:r>
-            <a:r>
-              <a:rPr lang="it-IT" dirty="0" err="1"/>
-              <a:t>added</a:t>
-            </a:r>
-            <a:r>
-              <a:rPr lang="it-IT" dirty="0"/>
-              <a:t> to the </a:t>
-            </a:r>
-            <a:r>
-              <a:rPr lang="it-IT" dirty="0" err="1"/>
-              <a:t>graph</a:t>
-            </a:r>
-            <a:r>
-              <a:rPr lang="it-IT" dirty="0"/>
-              <a:t> and, </a:t>
-            </a:r>
-            <a:r>
-              <a:rPr lang="it-IT" dirty="0" err="1"/>
-              <a:t>if</a:t>
-            </a:r>
-            <a:r>
-              <a:rPr lang="it-IT" dirty="0"/>
-              <a:t> </a:t>
-            </a:r>
-            <a:r>
-              <a:rPr lang="it-IT" dirty="0" err="1"/>
-              <a:t>not</a:t>
-            </a:r>
-            <a:r>
-              <a:rPr lang="it-IT" dirty="0"/>
-              <a:t>, </a:t>
-            </a:r>
-            <a:r>
-              <a:rPr lang="it-IT" dirty="0" err="1"/>
-              <a:t>we</a:t>
-            </a:r>
-            <a:r>
-              <a:rPr lang="it-IT" dirty="0"/>
-              <a:t> </a:t>
-            </a:r>
-            <a:r>
-              <a:rPr lang="it-IT" dirty="0" err="1"/>
-              <a:t>add</a:t>
-            </a:r>
-            <a:r>
-              <a:rPr lang="it-IT" dirty="0"/>
-              <a:t> </a:t>
-            </a:r>
-            <a:r>
-              <a:rPr lang="it-IT" dirty="0" err="1"/>
-              <a:t>it</a:t>
-            </a:r>
-            <a:r>
-              <a:rPr lang="it-IT" dirty="0"/>
-              <a:t> and </a:t>
-            </a:r>
-            <a:r>
-              <a:rPr lang="it-IT" dirty="0" err="1"/>
-              <a:t>its</a:t>
-            </a:r>
-            <a:r>
-              <a:rPr lang="it-IT" dirty="0"/>
-              <a:t> data </a:t>
-            </a:r>
-            <a:r>
-              <a:rPr lang="it-IT" dirty="0" err="1"/>
-              <a:t>property</a:t>
-            </a:r>
-            <a:r>
-              <a:rPr lang="it-IT" dirty="0"/>
-              <a:t>. Once </a:t>
-            </a:r>
-            <a:r>
-              <a:rPr lang="it-IT" dirty="0" err="1"/>
-              <a:t>all</a:t>
-            </a:r>
-            <a:r>
-              <a:rPr lang="it-IT" dirty="0"/>
-              <a:t> the </a:t>
-            </a:r>
-            <a:r>
-              <a:rPr lang="it-IT" dirty="0" err="1"/>
-              <a:t>entities</a:t>
-            </a:r>
-            <a:r>
-              <a:rPr lang="it-IT" dirty="0"/>
-              <a:t> of a </a:t>
-            </a:r>
-            <a:r>
-              <a:rPr lang="it-IT" dirty="0" err="1"/>
-              <a:t>row</a:t>
-            </a:r>
-            <a:r>
-              <a:rPr lang="it-IT" dirty="0"/>
-              <a:t> are </a:t>
-            </a:r>
-            <a:r>
-              <a:rPr lang="it-IT" dirty="0" err="1"/>
-              <a:t>added</a:t>
-            </a:r>
-            <a:r>
-              <a:rPr lang="it-IT" dirty="0"/>
-              <a:t>, </a:t>
-            </a:r>
-            <a:r>
-              <a:rPr lang="it-IT" dirty="0" err="1"/>
-              <a:t>we</a:t>
-            </a:r>
-            <a:r>
-              <a:rPr lang="it-IT" dirty="0"/>
-              <a:t> link </a:t>
-            </a:r>
-            <a:r>
-              <a:rPr lang="it-IT" dirty="0" err="1"/>
-              <a:t>them</a:t>
-            </a:r>
-            <a:r>
-              <a:rPr lang="it-IT" dirty="0"/>
-              <a:t> (</a:t>
-            </a:r>
-            <a:r>
-              <a:rPr lang="it-IT" dirty="0" err="1"/>
-              <a:t>if</a:t>
-            </a:r>
-            <a:r>
-              <a:rPr lang="it-IT" dirty="0"/>
-              <a:t> </a:t>
-            </a:r>
-            <a:r>
-              <a:rPr lang="it-IT" dirty="0" err="1"/>
-              <a:t>they</a:t>
-            </a:r>
-            <a:r>
-              <a:rPr lang="it-IT" dirty="0"/>
-              <a:t> </a:t>
-            </a:r>
-            <a:r>
-              <a:rPr lang="it-IT" dirty="0" err="1"/>
-              <a:t>weren't</a:t>
-            </a:r>
-            <a:r>
-              <a:rPr lang="it-IT" dirty="0"/>
-              <a:t> </a:t>
-            </a:r>
-            <a:r>
-              <a:rPr lang="it-IT" dirty="0" err="1"/>
-              <a:t>already</a:t>
-            </a:r>
-            <a:r>
-              <a:rPr lang="it-IT" dirty="0"/>
-              <a:t> </a:t>
-            </a:r>
-            <a:r>
-              <a:rPr lang="it-IT" dirty="0" err="1"/>
-              <a:t>linked</a:t>
-            </a:r>
-            <a:r>
-              <a:rPr lang="it-IT" dirty="0"/>
-              <a:t> in a </a:t>
-            </a:r>
-            <a:r>
-              <a:rPr lang="it-IT" dirty="0" err="1"/>
-              <a:t>previous</a:t>
-            </a:r>
-            <a:r>
-              <a:rPr lang="it-IT" dirty="0"/>
-              <a:t> </a:t>
-            </a:r>
-            <a:r>
-              <a:rPr lang="it-IT" dirty="0" err="1"/>
-              <a:t>iteration</a:t>
-            </a:r>
-            <a:r>
-              <a:rPr lang="it-IT" dirty="0"/>
-              <a:t>).</a:t>
-            </a:r>
+            <a:endParaRPr lang="en-US" dirty="0"/>
           </a:p>
           <a:p>
             <a:pPr marL="0" indent="0" algn="l" rtl="0">
@@ -4362,50 +3096,66 @@
               <a:buNone/>
             </a:pPr>
             <a:r>
-              <a:rPr lang="it-IT" dirty="0"/>
-              <a:t>At the end </a:t>
-            </a:r>
-            <a:r>
-              <a:rPr lang="it-IT" dirty="0" err="1"/>
-              <a:t>everything</a:t>
-            </a:r>
-            <a:r>
-              <a:rPr lang="it-IT" dirty="0"/>
-              <a:t> </a:t>
-            </a:r>
-            <a:r>
-              <a:rPr lang="it-IT" dirty="0" err="1"/>
-              <a:t>is</a:t>
-            </a:r>
-            <a:r>
-              <a:rPr lang="it-IT" dirty="0"/>
-              <a:t> </a:t>
-            </a:r>
-            <a:r>
-              <a:rPr lang="it-IT" dirty="0" err="1"/>
-              <a:t>serialized</a:t>
-            </a:r>
-            <a:r>
-              <a:rPr lang="it-IT" dirty="0"/>
-              <a:t> and </a:t>
-            </a:r>
-            <a:r>
-              <a:rPr lang="it-IT" dirty="0" err="1"/>
-              <a:t>saved</a:t>
-            </a:r>
-            <a:r>
-              <a:rPr lang="it-IT" dirty="0"/>
-              <a:t> in </a:t>
-            </a:r>
-            <a:r>
-              <a:rPr lang="it-IT" dirty="0" err="1"/>
-              <a:t>turtle</a:t>
-            </a:r>
-            <a:r>
-              <a:rPr lang="it-IT" dirty="0"/>
-              <a:t> format.</a:t>
-            </a:r>
-            <a:endParaRPr dirty="0"/>
+              <a:rPr lang="en-US" dirty="0"/>
+              <a:t>- At this point we had a single file with all the data</a:t>
+            </a:r>
+          </a:p>
+          <a:p>
+            <a:pPr marL="0" indent="0" algn="l" rtl="0">
+              <a:spcBef>
+                <a:spcPts val="0"/>
+              </a:spcBef>
+              <a:spcAft>
+                <a:spcPts val="0"/>
+              </a:spcAft>
+              <a:buNone/>
+            </a:pPr>
+            <a:r>
+              <a:rPr lang="en-US" dirty="0"/>
+              <a:t>- We loaded it on a graph</a:t>
+            </a:r>
+          </a:p>
+          <a:p>
+            <a:pPr marL="0" indent="0" algn="l" rtl="0">
+              <a:spcBef>
+                <a:spcPts val="0"/>
+              </a:spcBef>
+              <a:spcAft>
+                <a:spcPts val="0"/>
+              </a:spcAft>
+              <a:buNone/>
+            </a:pPr>
+            <a:r>
+              <a:rPr lang="en-US" dirty="0"/>
+              <a:t>    - For each row we added the individuals and the links between them</a:t>
+            </a:r>
+          </a:p>
+          <a:p>
+            <a:pPr marL="0" indent="0" algn="l" rtl="0">
+              <a:spcBef>
+                <a:spcPts val="0"/>
+              </a:spcBef>
+              <a:spcAft>
+                <a:spcPts val="0"/>
+              </a:spcAft>
+              <a:buNone/>
+            </a:pPr>
+            <a:endParaRPr lang="en-US" dirty="0"/>
+          </a:p>
+          <a:p>
+            <a:pPr marL="0" indent="0" algn="l" rtl="0">
+              <a:spcBef>
+                <a:spcPts val="0"/>
+              </a:spcBef>
+              <a:spcAft>
+                <a:spcPts val="0"/>
+              </a:spcAft>
+              <a:buNone/>
+            </a:pPr>
+            <a:r>
+              <a:rPr lang="en-US" dirty="0"/>
+              <a:t>- The final graph was then serialized and saved in turtle format</a:t>
+            </a:r>
           </a:p>
         </p:txBody>
       </p:sp>
@@ -4520,56 +3270,85 @@
               <a:buNone/>
             </a:pPr>
             <a:r>
-              <a:rPr lang="it-IT" dirty="0" err="1"/>
-              <a:t>Main</a:t>
-            </a:r>
-            <a:r>
-              <a:rPr lang="it-IT" dirty="0"/>
-              <a:t> </a:t>
-            </a:r>
-            <a:r>
-              <a:rPr lang="it-IT" dirty="0" err="1"/>
-              <a:t>ontology</a:t>
-            </a:r>
-            <a:r>
-              <a:rPr lang="it-IT" dirty="0"/>
-              <a:t> schema, </a:t>
-            </a:r>
-            <a:r>
-              <a:rPr lang="it-IT" dirty="0" err="1"/>
-              <a:t>not</a:t>
-            </a:r>
-            <a:r>
-              <a:rPr lang="it-IT" dirty="0"/>
-              <a:t> </a:t>
-            </a:r>
-            <a:r>
-              <a:rPr lang="it-IT" dirty="0" err="1"/>
-              <a:t>too</a:t>
-            </a:r>
-            <a:r>
-              <a:rPr lang="it-IT" dirty="0"/>
-              <a:t> big </a:t>
-            </a:r>
-            <a:r>
-              <a:rPr lang="it-IT" dirty="0" err="1"/>
-              <a:t>but</a:t>
-            </a:r>
-            <a:r>
-              <a:rPr lang="it-IT" dirty="0"/>
-              <a:t> with </a:t>
-            </a:r>
-            <a:r>
-              <a:rPr lang="it-IT" dirty="0" err="1"/>
-              <a:t>all</a:t>
-            </a:r>
-            <a:r>
-              <a:rPr lang="it-IT" dirty="0"/>
-              <a:t> the </a:t>
-            </a:r>
-            <a:r>
-              <a:rPr lang="it-IT" dirty="0" err="1"/>
-              <a:t>essentials</a:t>
+              <a:rPr lang="en-US" dirty="0"/>
+              <a:t>When loading the data we followed our ontology schema.</a:t>
+            </a:r>
+          </a:p>
+          <a:p>
+            <a:pPr marL="0" indent="0" algn="l" rtl="0">
+              <a:spcBef>
+                <a:spcPts val="0"/>
+              </a:spcBef>
+              <a:spcAft>
+                <a:spcPts val="0"/>
+              </a:spcAft>
+              <a:buNone/>
+            </a:pPr>
+            <a:endParaRPr lang="en-US" dirty="0"/>
+          </a:p>
+          <a:p>
+            <a:pPr marL="0" indent="0" algn="l" rtl="0">
+              <a:spcBef>
+                <a:spcPts val="0"/>
+              </a:spcBef>
+              <a:spcAft>
+                <a:spcPts val="0"/>
+              </a:spcAft>
+              <a:buNone/>
+            </a:pPr>
+            <a:r>
+              <a:rPr lang="en-US" dirty="0"/>
+              <a:t>As you can see the main class is about the </a:t>
+            </a:r>
+            <a:r>
+              <a:rPr lang="en-US" dirty="0" err="1"/>
+              <a:t>spotify</a:t>
+            </a:r>
+            <a:r>
+              <a:rPr lang="en-US" dirty="0"/>
+              <a:t> songs, </a:t>
+            </a:r>
+          </a:p>
+          <a:p>
+            <a:pPr marL="0" indent="0" algn="l" rtl="0">
+              <a:spcBef>
+                <a:spcPts val="0"/>
+              </a:spcBef>
+              <a:spcAft>
+                <a:spcPts val="0"/>
+              </a:spcAft>
+              <a:buNone/>
+            </a:pPr>
+            <a:r>
+              <a:rPr lang="en-US" dirty="0"/>
+              <a:t>and many of the others are linked to it.</a:t>
+            </a:r>
+          </a:p>
+          <a:p>
+            <a:pPr marL="0" indent="0" algn="l" rtl="0">
+              <a:spcBef>
+                <a:spcPts val="0"/>
+              </a:spcBef>
+              <a:spcAft>
+                <a:spcPts val="0"/>
+              </a:spcAft>
+              <a:buNone/>
+            </a:pPr>
+            <a:endParaRPr lang="en-US" dirty="0"/>
+          </a:p>
+          <a:p>
+            <a:pPr marL="0" indent="0" algn="l" rtl="0">
+              <a:spcBef>
+                <a:spcPts val="0"/>
+              </a:spcBef>
+              <a:spcAft>
+                <a:spcPts val="0"/>
+              </a:spcAft>
+              <a:buNone/>
+            </a:pPr>
+            <a:r>
+              <a:rPr lang="en-US" dirty="0"/>
+              <a:t>But lets take a look in details.</a:t>
             </a:r>
             <a:endParaRPr dirty="0"/>
           </a:p>
@@ -4686,160 +3465,168 @@
               <a:buNone/>
             </a:pPr>
             <a:r>
-              <a:rPr lang="it-IT" dirty="0"/>
-              <a:t>Spotify </a:t>
-            </a:r>
-            <a:r>
-              <a:rPr lang="it-IT" dirty="0" err="1"/>
-              <a:t>song</a:t>
-            </a:r>
-            <a:r>
-              <a:rPr lang="it-IT" dirty="0"/>
-              <a:t> with </a:t>
-            </a:r>
-            <a:r>
-              <a:rPr lang="it-IT" dirty="0" err="1"/>
-              <a:t>all</a:t>
-            </a:r>
-            <a:r>
-              <a:rPr lang="it-IT" dirty="0"/>
-              <a:t> </a:t>
-            </a:r>
-            <a:r>
-              <a:rPr lang="it-IT" dirty="0" err="1"/>
-              <a:t>its</a:t>
-            </a:r>
-            <a:r>
-              <a:rPr lang="it-IT" dirty="0"/>
-              <a:t> info. </a:t>
-            </a:r>
-            <a:r>
-              <a:rPr lang="it-IT" dirty="0" err="1"/>
-              <a:t>Published</a:t>
-            </a:r>
-            <a:r>
-              <a:rPr lang="it-IT" dirty="0"/>
-              <a:t> by </a:t>
-            </a:r>
-            <a:r>
-              <a:rPr lang="it-IT" dirty="0" err="1"/>
-              <a:t>at</a:t>
-            </a:r>
-            <a:r>
-              <a:rPr lang="it-IT" dirty="0"/>
-              <a:t> </a:t>
-            </a:r>
-            <a:r>
-              <a:rPr lang="it-IT" dirty="0" err="1"/>
-              <a:t>least</a:t>
-            </a:r>
-            <a:r>
-              <a:rPr lang="it-IT" dirty="0"/>
-              <a:t> an Artist (</a:t>
-            </a:r>
-            <a:r>
-              <a:rPr lang="it-IT" dirty="0" err="1"/>
-              <a:t>wich</a:t>
-            </a:r>
-            <a:r>
-              <a:rPr lang="it-IT" dirty="0"/>
-              <a:t> </a:t>
-            </a:r>
-            <a:r>
-              <a:rPr lang="it-IT" dirty="0" err="1"/>
-              <a:t>is</a:t>
-            </a:r>
-            <a:r>
-              <a:rPr lang="it-IT" dirty="0"/>
-              <a:t> a </a:t>
-            </a:r>
-            <a:r>
-              <a:rPr lang="it-IT" dirty="0" err="1"/>
-              <a:t>subclass</a:t>
-            </a:r>
-            <a:r>
-              <a:rPr lang="it-IT" dirty="0"/>
-              <a:t> of </a:t>
-            </a:r>
-            <a:r>
-              <a:rPr lang="it-IT" dirty="0" err="1"/>
-              <a:t>Person</a:t>
-            </a:r>
-            <a:r>
-              <a:rPr lang="it-IT" dirty="0"/>
-              <a:t>) and viceversa. Can be part of a playlist, </a:t>
-            </a:r>
-            <a:r>
-              <a:rPr lang="it-IT" dirty="0" err="1"/>
-              <a:t>which</a:t>
-            </a:r>
-            <a:r>
-              <a:rPr lang="it-IT" dirty="0"/>
-              <a:t> </a:t>
-            </a:r>
-            <a:r>
-              <a:rPr lang="it-IT" dirty="0" err="1"/>
-              <a:t>has</a:t>
-            </a:r>
-            <a:r>
-              <a:rPr lang="it-IT" dirty="0"/>
-              <a:t> one or more </a:t>
-            </a:r>
-            <a:r>
-              <a:rPr lang="it-IT" dirty="0" err="1"/>
-              <a:t>genres</a:t>
-            </a:r>
-            <a:r>
-              <a:rPr lang="it-IT" dirty="0"/>
-              <a:t>. </a:t>
-            </a:r>
-            <a:r>
-              <a:rPr lang="it-IT" dirty="0" err="1"/>
-              <a:t>Genres</a:t>
-            </a:r>
-            <a:r>
-              <a:rPr lang="it-IT" dirty="0"/>
-              <a:t> </a:t>
-            </a:r>
-            <a:r>
-              <a:rPr lang="it-IT" dirty="0" err="1"/>
-              <a:t>modeled</a:t>
-            </a:r>
-            <a:r>
-              <a:rPr lang="it-IT" dirty="0"/>
-              <a:t> with </a:t>
-            </a:r>
-            <a:r>
-              <a:rPr lang="it-IT" dirty="0" err="1"/>
+              <a:rPr lang="en-US" dirty="0"/>
+              <a:t>Here you can see the data properties of the songs (name, duration, num streams)</a:t>
+            </a:r>
+          </a:p>
+          <a:p>
+            <a:pPr marL="0" indent="0" algn="l" rtl="0">
+              <a:spcBef>
+                <a:spcPts val="0"/>
+              </a:spcBef>
+              <a:spcAft>
+                <a:spcPts val="0"/>
+              </a:spcAft>
+              <a:buNone/>
+            </a:pPr>
+            <a:endParaRPr lang="en-US" dirty="0"/>
+          </a:p>
+          <a:p>
+            <a:pPr marL="0" indent="0" algn="l" rtl="0">
+              <a:spcBef>
+                <a:spcPts val="0"/>
+              </a:spcBef>
+              <a:spcAft>
+                <a:spcPts val="0"/>
+              </a:spcAft>
+              <a:buNone/>
+            </a:pPr>
+            <a:r>
+              <a:rPr lang="en-US" dirty="0"/>
+              <a:t>Then there is the class of Artists that published a song, that are a subclass of person. </a:t>
+            </a:r>
+          </a:p>
+          <a:p>
+            <a:pPr marL="0" indent="0" algn="l" rtl="0">
+              <a:spcBef>
+                <a:spcPts val="0"/>
+              </a:spcBef>
+              <a:spcAft>
+                <a:spcPts val="0"/>
+              </a:spcAft>
+              <a:buNone/>
+            </a:pPr>
+            <a:r>
+              <a:rPr lang="en-US" dirty="0"/>
+              <a:t>The class person was made by hand, and not imported from FOAF, since we only needed the name.</a:t>
+            </a:r>
+          </a:p>
+          <a:p>
+            <a:pPr marL="0" indent="0" algn="l" rtl="0">
+              <a:spcBef>
+                <a:spcPts val="0"/>
+              </a:spcBef>
+              <a:spcAft>
+                <a:spcPts val="0"/>
+              </a:spcAft>
+              <a:buNone/>
+            </a:pPr>
+            <a:endParaRPr lang="en-US" dirty="0"/>
+          </a:p>
+          <a:p>
+            <a:pPr marL="0" indent="0" algn="l" rtl="0">
+              <a:spcBef>
+                <a:spcPts val="0"/>
+              </a:spcBef>
+              <a:spcAft>
+                <a:spcPts val="0"/>
+              </a:spcAft>
+              <a:buNone/>
+            </a:pPr>
+            <a:r>
+              <a:rPr lang="en-US" dirty="0"/>
+              <a:t>Here there is the playlists class (a song is part of a playlist). </a:t>
+            </a:r>
+          </a:p>
+          <a:p>
+            <a:pPr marL="0" indent="0" algn="l" rtl="0">
+              <a:spcBef>
+                <a:spcPts val="0"/>
+              </a:spcBef>
+              <a:spcAft>
+                <a:spcPts val="0"/>
+              </a:spcAft>
+              <a:buNone/>
+            </a:pPr>
+            <a:r>
+              <a:rPr lang="en-US" dirty="0"/>
+              <a:t>A playlist has </a:t>
+            </a:r>
+          </a:p>
+          <a:p>
+            <a:pPr marL="0" indent="0" algn="l" rtl="0">
+              <a:spcBef>
+                <a:spcPts val="0"/>
+              </a:spcBef>
+              <a:spcAft>
+                <a:spcPts val="0"/>
+              </a:spcAft>
+              <a:buNone/>
+            </a:pPr>
+            <a:r>
+              <a:rPr lang="en-US" dirty="0"/>
+              <a:t>- a name</a:t>
+            </a:r>
+          </a:p>
+          <a:p>
+            <a:pPr marL="0" indent="0" algn="l" rtl="0">
+              <a:spcBef>
+                <a:spcPts val="0"/>
+              </a:spcBef>
+              <a:spcAft>
+                <a:spcPts val="0"/>
+              </a:spcAft>
+              <a:buNone/>
+            </a:pPr>
+            <a:r>
+              <a:rPr lang="en-US" dirty="0"/>
+              <a:t>- a main genre</a:t>
+            </a:r>
+          </a:p>
+          <a:p>
+            <a:pPr marL="0" indent="0" algn="l" rtl="0">
+              <a:spcBef>
+                <a:spcPts val="0"/>
+              </a:spcBef>
+              <a:spcAft>
+                <a:spcPts val="0"/>
+              </a:spcAft>
+              <a:buNone/>
+            </a:pPr>
+            <a:r>
+              <a:rPr lang="en-US" dirty="0"/>
+              <a:t>- a more specific subgenre </a:t>
+            </a:r>
+          </a:p>
+          <a:p>
+            <a:pPr marL="0" indent="0" algn="l" rtl="0">
+              <a:spcBef>
+                <a:spcPts val="0"/>
+              </a:spcBef>
+              <a:spcAft>
+                <a:spcPts val="0"/>
+              </a:spcAft>
+              <a:buNone/>
+            </a:pPr>
+            <a:r>
+              <a:rPr lang="en-US" dirty="0"/>
+              <a:t>(we </a:t>
+            </a:r>
+            <a:r>
+              <a:rPr lang="en-US" dirty="0" err="1"/>
+              <a:t>differenciate</a:t>
+            </a:r>
+            <a:r>
+              <a:rPr lang="en-US" dirty="0"/>
+              <a:t> them by using </a:t>
+            </a:r>
+            <a:r>
+              <a:rPr lang="en-US" dirty="0" err="1"/>
               <a:t>skos</a:t>
             </a:r>
             <a:r>
-              <a:rPr lang="it-IT" dirty="0"/>
-              <a:t> (</a:t>
-            </a:r>
-            <a:r>
-              <a:rPr lang="it-IT" dirty="0" err="1"/>
-              <a:t>broader</a:t>
-            </a:r>
-            <a:r>
-              <a:rPr lang="it-IT" dirty="0"/>
-              <a:t> &amp; </a:t>
-            </a:r>
-            <a:r>
-              <a:rPr lang="it-IT" dirty="0" err="1"/>
-              <a:t>narrower</a:t>
-            </a:r>
-            <a:r>
-              <a:rPr lang="it-IT" dirty="0"/>
-              <a:t> for </a:t>
-            </a:r>
-            <a:r>
-              <a:rPr lang="it-IT" dirty="0" err="1"/>
-              <a:t>subgenres</a:t>
-            </a:r>
-            <a:r>
-              <a:rPr lang="it-IT" dirty="0"/>
-              <a:t>)</a:t>
+              <a:rPr lang="en-US" dirty="0"/>
+              <a:t> broader and narrower).</a:t>
             </a:r>
             <a:endParaRPr dirty="0"/>
           </a:p>
@@ -4956,144 +3743,96 @@
               <a:buNone/>
             </a:pPr>
             <a:r>
-              <a:rPr lang="it-IT" dirty="0"/>
-              <a:t>Song </a:t>
-            </a:r>
-            <a:r>
-              <a:rPr lang="it-IT" dirty="0" err="1"/>
-              <a:t>belongs</a:t>
-            </a:r>
-            <a:r>
-              <a:rPr lang="it-IT" dirty="0"/>
-              <a:t> to an album </a:t>
-            </a:r>
-            <a:r>
-              <a:rPr lang="it-IT" dirty="0" err="1"/>
-              <a:t>which</a:t>
-            </a:r>
-            <a:r>
-              <a:rPr lang="it-IT" dirty="0"/>
-              <a:t> can be of </a:t>
-            </a:r>
-            <a:r>
-              <a:rPr lang="it-IT" dirty="0" err="1"/>
-              <a:t>type</a:t>
-            </a:r>
-            <a:r>
-              <a:rPr lang="it-IT" dirty="0"/>
-              <a:t> single (so </a:t>
-            </a:r>
-            <a:r>
-              <a:rPr lang="it-IT" dirty="0" err="1"/>
-              <a:t>contains</a:t>
-            </a:r>
-            <a:r>
-              <a:rPr lang="it-IT" dirty="0"/>
-              <a:t> </a:t>
-            </a:r>
-            <a:r>
-              <a:rPr lang="it-IT" dirty="0" err="1"/>
-              <a:t>only</a:t>
-            </a:r>
-            <a:r>
-              <a:rPr lang="it-IT" dirty="0"/>
-              <a:t> the </a:t>
-            </a:r>
-            <a:r>
-              <a:rPr lang="it-IT" dirty="0" err="1"/>
-              <a:t>song</a:t>
-            </a:r>
-            <a:r>
-              <a:rPr lang="it-IT" dirty="0"/>
-              <a:t>), or album or compilation (</a:t>
-            </a:r>
-            <a:r>
-              <a:rPr lang="it-IT" dirty="0" err="1"/>
-              <a:t>both</a:t>
-            </a:r>
-            <a:r>
-              <a:rPr lang="it-IT" dirty="0"/>
-              <a:t> can </a:t>
-            </a:r>
-            <a:r>
-              <a:rPr lang="it-IT" dirty="0" err="1"/>
-              <a:t>contain</a:t>
-            </a:r>
-            <a:r>
-              <a:rPr lang="it-IT" dirty="0"/>
-              <a:t> more </a:t>
-            </a:r>
-            <a:r>
-              <a:rPr lang="it-IT" dirty="0" err="1"/>
-              <a:t>than</a:t>
-            </a:r>
-            <a:r>
-              <a:rPr lang="it-IT" dirty="0"/>
-              <a:t> 1 </a:t>
-            </a:r>
-            <a:r>
-              <a:rPr lang="it-IT" dirty="0" err="1"/>
-              <a:t>song</a:t>
-            </a:r>
-            <a:r>
-              <a:rPr lang="it-IT" dirty="0"/>
-              <a:t>). Song be </a:t>
-            </a:r>
-            <a:r>
-              <a:rPr lang="it-IT" dirty="0" err="1"/>
-              <a:t>song</a:t>
-            </a:r>
-            <a:r>
-              <a:rPr lang="it-IT" dirty="0"/>
-              <a:t> of a </a:t>
-            </a:r>
-            <a:r>
-              <a:rPr lang="it-IT" dirty="0" err="1"/>
+              <a:rPr lang="en-US" dirty="0"/>
+              <a:t>Then there is the Album class</a:t>
+            </a:r>
+          </a:p>
+          <a:p>
+            <a:pPr marL="0" indent="0" algn="l" rtl="0">
+              <a:spcBef>
+                <a:spcPts val="0"/>
+              </a:spcBef>
+              <a:spcAft>
+                <a:spcPts val="0"/>
+              </a:spcAft>
+              <a:buNone/>
+            </a:pPr>
+            <a:r>
+              <a:rPr lang="en-US" dirty="0"/>
+              <a:t>We use it also to differentiate between the </a:t>
+            </a:r>
+            <a:r>
+              <a:rPr lang="en-US" dirty="0" err="1"/>
+              <a:t>varius</a:t>
+            </a:r>
+            <a:r>
+              <a:rPr lang="en-US" dirty="0"/>
+              <a:t> album types (normal album, single, compilation).</a:t>
+            </a:r>
+          </a:p>
+          <a:p>
+            <a:pPr marL="0" indent="0" algn="l" rtl="0">
+              <a:spcBef>
+                <a:spcPts val="0"/>
+              </a:spcBef>
+              <a:spcAft>
+                <a:spcPts val="0"/>
+              </a:spcAft>
+              <a:buNone/>
+            </a:pPr>
+            <a:endParaRPr lang="en-US" dirty="0"/>
+          </a:p>
+          <a:p>
+            <a:pPr marL="0" indent="0" algn="l" rtl="0">
+              <a:spcBef>
+                <a:spcPts val="0"/>
+              </a:spcBef>
+              <a:spcAft>
+                <a:spcPts val="0"/>
+              </a:spcAft>
+              <a:buNone/>
+            </a:pPr>
+            <a:r>
+              <a:rPr lang="en-US" dirty="0"/>
+              <a:t>Then there is the part of </a:t>
+            </a:r>
+            <a:r>
+              <a:rPr lang="en-US" dirty="0" err="1"/>
               <a:t>youtube</a:t>
             </a:r>
             <a:r>
-              <a:rPr lang="it-IT" dirty="0"/>
-              <a:t> video (</a:t>
-            </a:r>
-            <a:r>
-              <a:rPr lang="it-IT" dirty="0" err="1"/>
-              <a:t>all</a:t>
-            </a:r>
-            <a:r>
-              <a:rPr lang="it-IT" dirty="0"/>
-              <a:t> info </a:t>
-            </a:r>
-            <a:r>
-              <a:rPr lang="it-IT" dirty="0" err="1"/>
-              <a:t>about</a:t>
-            </a:r>
-            <a:r>
-              <a:rPr lang="it-IT" dirty="0"/>
-              <a:t> video), </a:t>
-            </a:r>
-            <a:r>
-              <a:rPr lang="it-IT" dirty="0" err="1"/>
-              <a:t>uploaded</a:t>
-            </a:r>
-            <a:r>
-              <a:rPr lang="it-IT" dirty="0"/>
-              <a:t> by </a:t>
-            </a:r>
-            <a:r>
-              <a:rPr lang="it-IT" dirty="0" err="1"/>
-              <a:t>specific</a:t>
-            </a:r>
-            <a:r>
-              <a:rPr lang="it-IT" dirty="0"/>
-              <a:t> </a:t>
-            </a:r>
-            <a:r>
-              <a:rPr lang="it-IT" dirty="0" err="1"/>
-              <a:t>channel</a:t>
-            </a:r>
-            <a:r>
-              <a:rPr lang="it-IT" dirty="0"/>
-              <a:t>.</a:t>
+              <a:rPr lang="en-US" dirty="0"/>
+              <a:t> videos, which is composed by:</a:t>
+            </a:r>
+          </a:p>
+          <a:p>
+            <a:pPr marL="0" indent="0" algn="l" rtl="0">
+              <a:spcBef>
+                <a:spcPts val="0"/>
+              </a:spcBef>
+              <a:spcAft>
+                <a:spcPts val="0"/>
+              </a:spcAft>
+              <a:buNone/>
+            </a:pPr>
+            <a:r>
+              <a:rPr lang="en-US" dirty="0"/>
+              <a:t>- the video class itself, with some information about it</a:t>
+            </a:r>
+          </a:p>
+          <a:p>
+            <a:pPr marL="0" indent="0" algn="l" rtl="0">
+              <a:spcBef>
+                <a:spcPts val="0"/>
+              </a:spcBef>
+              <a:spcAft>
+                <a:spcPts val="0"/>
+              </a:spcAft>
+              <a:buNone/>
+            </a:pPr>
+            <a:r>
+              <a:rPr lang="en-US" dirty="0"/>
+              <a:t>- the class of the channels that uploaded it</a:t>
             </a:r>
             <a:endParaRPr dirty="0"/>
           </a:p>
@@ -5210,156 +3949,62 @@
               <a:buNone/>
             </a:pPr>
             <a:r>
-              <a:rPr lang="it-IT" dirty="0" err="1"/>
-              <a:t>We</a:t>
-            </a:r>
-            <a:r>
-              <a:rPr lang="it-IT" dirty="0"/>
-              <a:t> </a:t>
-            </a:r>
-            <a:r>
-              <a:rPr lang="it-IT" dirty="0" err="1"/>
-              <a:t>tried</a:t>
-            </a:r>
-            <a:r>
-              <a:rPr lang="it-IT" dirty="0"/>
-              <a:t> </a:t>
-            </a:r>
-            <a:r>
-              <a:rPr lang="it-IT" dirty="0" err="1"/>
-              <a:t>validation</a:t>
-            </a:r>
-            <a:r>
-              <a:rPr lang="it-IT" dirty="0"/>
-              <a:t> with SHACL to make sure </a:t>
-            </a:r>
-            <a:r>
-              <a:rPr lang="it-IT" dirty="0" err="1"/>
-              <a:t>everything</a:t>
-            </a:r>
-            <a:r>
-              <a:rPr lang="it-IT" dirty="0"/>
-              <a:t> </a:t>
-            </a:r>
-            <a:r>
-              <a:rPr lang="it-IT" dirty="0" err="1"/>
-              <a:t>was</a:t>
-            </a:r>
-            <a:r>
-              <a:rPr lang="it-IT" dirty="0"/>
-              <a:t> </a:t>
-            </a:r>
-            <a:r>
-              <a:rPr lang="it-IT" dirty="0" err="1"/>
-              <a:t>correct</a:t>
-            </a:r>
-            <a:r>
-              <a:rPr lang="it-IT" dirty="0"/>
-              <a:t> and </a:t>
-            </a:r>
-            <a:r>
-              <a:rPr lang="it-IT" dirty="0" err="1"/>
-              <a:t>checked</a:t>
-            </a:r>
-            <a:r>
-              <a:rPr lang="it-IT" dirty="0"/>
-              <a:t> </a:t>
-            </a:r>
-            <a:r>
-              <a:rPr lang="it-IT" dirty="0" err="1"/>
-              <a:t>if</a:t>
-            </a:r>
-            <a:r>
-              <a:rPr lang="it-IT" dirty="0"/>
-              <a:t> </a:t>
-            </a:r>
-            <a:r>
-              <a:rPr lang="it-IT" dirty="0" err="1"/>
-              <a:t>there</a:t>
-            </a:r>
-            <a:r>
-              <a:rPr lang="it-IT" dirty="0"/>
-              <a:t> </a:t>
-            </a:r>
-            <a:r>
-              <a:rPr lang="it-IT" dirty="0" err="1"/>
-              <a:t>were</a:t>
-            </a:r>
-            <a:r>
-              <a:rPr lang="it-IT" dirty="0"/>
-              <a:t> </a:t>
-            </a:r>
-            <a:r>
-              <a:rPr lang="it-IT" dirty="0" err="1"/>
-              <a:t>any</a:t>
-            </a:r>
-            <a:r>
-              <a:rPr lang="it-IT" dirty="0"/>
-              <a:t> </a:t>
-            </a:r>
-            <a:r>
-              <a:rPr lang="it-IT" dirty="0" err="1"/>
-              <a:t>error</a:t>
-            </a:r>
-            <a:r>
-              <a:rPr lang="it-IT" dirty="0"/>
-              <a:t> </a:t>
-            </a:r>
-            <a:r>
-              <a:rPr lang="it-IT" dirty="0" err="1"/>
-              <a:t>that</a:t>
-            </a:r>
-            <a:r>
-              <a:rPr lang="it-IT" dirty="0"/>
-              <a:t> </a:t>
-            </a:r>
-            <a:r>
-              <a:rPr lang="it-IT" dirty="0" err="1"/>
-              <a:t>could</a:t>
-            </a:r>
-            <a:r>
-              <a:rPr lang="it-IT" dirty="0"/>
-              <a:t> </a:t>
-            </a:r>
-            <a:r>
-              <a:rPr lang="it-IT" dirty="0" err="1"/>
-              <a:t>have</a:t>
-            </a:r>
-            <a:r>
-              <a:rPr lang="it-IT" dirty="0"/>
-              <a:t> </a:t>
-            </a:r>
-            <a:r>
-              <a:rPr lang="it-IT" dirty="0" err="1"/>
-              <a:t>appeared</a:t>
-            </a:r>
-            <a:r>
-              <a:rPr lang="it-IT" dirty="0"/>
-              <a:t> </a:t>
-            </a:r>
-            <a:r>
-              <a:rPr lang="it-IT" dirty="0" err="1"/>
-              <a:t>during</a:t>
-            </a:r>
-            <a:r>
-              <a:rPr lang="it-IT" dirty="0"/>
-              <a:t> data </a:t>
-            </a:r>
-            <a:r>
-              <a:rPr lang="it-IT" dirty="0" err="1"/>
-              <a:t>cleaning</a:t>
-            </a:r>
-            <a:r>
-              <a:rPr lang="it-IT" dirty="0"/>
-              <a:t>, </a:t>
-            </a:r>
-            <a:r>
-              <a:rPr lang="it-IT" dirty="0" err="1"/>
-              <a:t>merging</a:t>
-            </a:r>
-            <a:r>
-              <a:rPr lang="it-IT" dirty="0"/>
-              <a:t> and loading.</a:t>
+              <a:rPr lang="en-US" dirty="0"/>
+              <a:t>Once the data was loaded, we implemented some SHACL shapes to ensure the correct format of all data. </a:t>
+            </a:r>
+          </a:p>
+          <a:p>
+            <a:pPr marL="0" indent="0" algn="l" rtl="0">
+              <a:spcBef>
+                <a:spcPts val="0"/>
+              </a:spcBef>
+              <a:spcAft>
+                <a:spcPts val="0"/>
+              </a:spcAft>
+              <a:buNone/>
+            </a:pPr>
+            <a:endParaRPr lang="en-US" dirty="0"/>
+          </a:p>
+          <a:p>
+            <a:pPr marL="0" indent="0" algn="l" rtl="0">
+              <a:spcBef>
+                <a:spcPts val="0"/>
+              </a:spcBef>
+              <a:spcAft>
+                <a:spcPts val="0"/>
+              </a:spcAft>
+              <a:buNone/>
+            </a:pPr>
+            <a:r>
+              <a:rPr lang="en-US" dirty="0"/>
+              <a:t>No problems were found and so the validation process returned positive results.</a:t>
+            </a:r>
+          </a:p>
+          <a:p>
+            <a:pPr marL="0" indent="0" algn="l" rtl="0">
+              <a:spcBef>
+                <a:spcPts val="0"/>
+              </a:spcBef>
+              <a:spcAft>
+                <a:spcPts val="0"/>
+              </a:spcAft>
+              <a:buNone/>
+            </a:pPr>
+            <a:endParaRPr lang="en-US" dirty="0"/>
+          </a:p>
+          <a:p>
+            <a:pPr marL="0" indent="0" algn="l" rtl="0">
+              <a:spcBef>
+                <a:spcPts val="0"/>
+              </a:spcBef>
+              <a:spcAft>
+                <a:spcPts val="0"/>
+              </a:spcAft>
+              <a:buNone/>
+            </a:pPr>
+            <a:r>
+              <a:rPr lang="en-US" dirty="0"/>
+              <a:t>Now my colleague will show the main queries that we proposed for this database.</a:t>
             </a:r>
             <a:endParaRPr dirty="0"/>
           </a:p>
@@ -5475,7 +4120,7 @@
               </a:spcAft>
               <a:buNone/>
             </a:pPr>
-            <a:endParaRPr/>
+            <a:endParaRPr dirty="0"/>
           </a:p>
         </p:txBody>
       </p:sp>

--- a/Presentation/slides.pptx
+++ b/Presentation/slides.pptx
@@ -21855,33 +21855,49 @@
       </p:pic>
       <p:pic>
         <p:nvPicPr>
-          <p:cNvPr id="3" name="Immagine 2">
+          <p:cNvPr id="2" name="Picture 6">
             <a:extLst>
               <a:ext uri="{FF2B5EF4-FFF2-40B4-BE49-F238E27FC236}">
-                <a16:creationId xmlns:a16="http://schemas.microsoft.com/office/drawing/2014/main" id="{61D2E961-749C-AF61-5EB5-22A2921089C3}"/>
+                <a16:creationId xmlns:a16="http://schemas.microsoft.com/office/drawing/2014/main" id="{6E7E83AE-2D65-496E-5B89-69830A920D29}"/>
               </a:ext>
             </a:extLst>
           </p:cNvPr>
           <p:cNvPicPr>
-            <a:picLocks noChangeAspect="1"/>
+            <a:picLocks noChangeAspect="1" noChangeArrowheads="1"/>
           </p:cNvPicPr>
           <p:nvPr/>
         </p:nvPicPr>
         <p:blipFill>
-          <a:blip r:embed="rId6"/>
+          <a:blip r:embed="rId6">
+            <a:extLst>
+              <a:ext uri="{28A0092B-C50C-407E-A947-70E740481C1C}">
+                <a14:useLocalDpi xmlns:a14="http://schemas.microsoft.com/office/drawing/2010/main" val="0"/>
+              </a:ext>
+            </a:extLst>
+          </a:blip>
           <a:srcRect/>
           <a:stretch>
             <a:fillRect/>
           </a:stretch>
         </p:blipFill>
-        <p:spPr>
+        <p:spPr bwMode="auto">
           <a:xfrm>
-            <a:off x="720000" y="5216712"/>
-            <a:ext cx="7704000" cy="3428130"/>
+            <a:off x="795960" y="5310753"/>
+            <a:ext cx="7552079" cy="3331568"/>
           </a:xfrm>
           <a:prstGeom prst="rect">
             <a:avLst/>
           </a:prstGeom>
+          <a:noFill/>
+          <a:extLst>
+            <a:ext uri="{909E8E84-426E-40DD-AFC4-6F175D3DCCD1}">
+              <a14:hiddenFill xmlns:a14="http://schemas.microsoft.com/office/drawing/2010/main">
+                <a:solidFill>
+                  <a:srgbClr val="FFFFFF"/>
+                </a:solidFill>
+              </a14:hiddenFill>
+            </a:ext>
+          </a:extLst>
         </p:spPr>
       </p:pic>
     </p:spTree>
@@ -21965,27 +21981,49 @@
       </p:sp>
       <p:pic>
         <p:nvPicPr>
-          <p:cNvPr id="484" name="Immagine 483"/>
+          <p:cNvPr id="2054" name="Picture 6">
+            <a:extLst>
+              <a:ext uri="{FF2B5EF4-FFF2-40B4-BE49-F238E27FC236}">
+                <a16:creationId xmlns:a16="http://schemas.microsoft.com/office/drawing/2014/main" id="{7BCD1039-ED72-F2B0-9356-CE3553F9BF37}"/>
+              </a:ext>
+            </a:extLst>
+          </p:cNvPr>
           <p:cNvPicPr>
-            <a:picLocks noChangeAspect="1"/>
+            <a:picLocks noChangeAspect="1" noChangeArrowheads="1"/>
           </p:cNvPicPr>
           <p:nvPr/>
         </p:nvPicPr>
         <p:blipFill>
-          <a:blip r:embed="rId3"/>
+          <a:blip r:embed="rId3">
+            <a:extLst>
+              <a:ext uri="{28A0092B-C50C-407E-A947-70E740481C1C}">
+                <a14:useLocalDpi xmlns:a14="http://schemas.microsoft.com/office/drawing/2010/main" val="0"/>
+              </a:ext>
+            </a:extLst>
+          </a:blip>
           <a:srcRect/>
           <a:stretch>
             <a:fillRect/>
           </a:stretch>
         </p:blipFill>
-        <p:spPr>
+        <p:spPr bwMode="auto">
           <a:xfrm>
-            <a:off x="720000" y="1270345"/>
-            <a:ext cx="7704000" cy="3428130"/>
+            <a:off x="795960" y="1366907"/>
+            <a:ext cx="7552079" cy="3331568"/>
           </a:xfrm>
           <a:prstGeom prst="rect">
             <a:avLst/>
           </a:prstGeom>
+          <a:noFill/>
+          <a:extLst>
+            <a:ext uri="{909E8E84-426E-40DD-AFC4-6F175D3DCCD1}">
+              <a14:hiddenFill xmlns:a14="http://schemas.microsoft.com/office/drawing/2010/main">
+                <a:solidFill>
+                  <a:srgbClr val="FFFFFF"/>
+                </a:solidFill>
+              </a14:hiddenFill>
+            </a:ext>
+          </a:extLst>
         </p:spPr>
       </p:pic>
     </p:spTree>
@@ -22069,31 +22107,47 @@
       </p:sp>
       <p:pic>
         <p:nvPicPr>
-          <p:cNvPr id="2" name="Immagine 1">
+          <p:cNvPr id="3" name="Picture 6">
             <a:extLst>
               <a:ext uri="{FF2B5EF4-FFF2-40B4-BE49-F238E27FC236}">
-                <a16:creationId xmlns:a16="http://schemas.microsoft.com/office/drawing/2014/main" id="{1B4475B3-04A7-224D-B0EE-86B66124CFAB}"/>
+                <a16:creationId xmlns:a16="http://schemas.microsoft.com/office/drawing/2014/main" id="{0C91B84F-99DC-7464-A9DD-9DA38C348CDF}"/>
               </a:ext>
             </a:extLst>
           </p:cNvPr>
           <p:cNvPicPr>
-            <a:picLocks noChangeAspect="1"/>
+            <a:picLocks noChangeAspect="1" noChangeArrowheads="1"/>
           </p:cNvPicPr>
           <p:nvPr/>
         </p:nvPicPr>
         <p:blipFill rotWithShape="1">
-          <a:blip r:embed="rId3"/>
-          <a:srcRect r="37006" b="36821"/>
+          <a:blip r:embed="rId3">
+            <a:extLst>
+              <a:ext uri="{28A0092B-C50C-407E-A947-70E740481C1C}">
+                <a14:useLocalDpi xmlns:a14="http://schemas.microsoft.com/office/drawing/2010/main" val="0"/>
+              </a:ext>
+            </a:extLst>
+          </a:blip>
+          <a:srcRect l="-1" r="36994" b="36948"/>
           <a:stretch/>
         </p:blipFill>
-        <p:spPr>
+        <p:spPr bwMode="auto">
           <a:xfrm>
-            <a:off x="720000" y="1270345"/>
-            <a:ext cx="6750933" cy="3012897"/>
+            <a:off x="720000" y="1279443"/>
+            <a:ext cx="7079932" cy="3125580"/>
           </a:xfrm>
           <a:prstGeom prst="rect">
             <a:avLst/>
           </a:prstGeom>
+          <a:noFill/>
+          <a:extLst>
+            <a:ext uri="{909E8E84-426E-40DD-AFC4-6F175D3DCCD1}">
+              <a14:hiddenFill xmlns:a14="http://schemas.microsoft.com/office/drawing/2010/main">
+                <a:solidFill>
+                  <a:srgbClr val="FFFFFF"/>
+                </a:solidFill>
+              </a14:hiddenFill>
+            </a:ext>
+          </a:extLst>
         </p:spPr>
       </p:pic>
     </p:spTree>
@@ -22177,35 +22231,6 @@
       </p:sp>
       <p:pic>
         <p:nvPicPr>
-          <p:cNvPr id="3" name="Immagine 2">
-            <a:extLst>
-              <a:ext uri="{FF2B5EF4-FFF2-40B4-BE49-F238E27FC236}">
-                <a16:creationId xmlns:a16="http://schemas.microsoft.com/office/drawing/2014/main" id="{BAB0C638-7946-E9E3-F54D-B12A9D5642F4}"/>
-              </a:ext>
-            </a:extLst>
-          </p:cNvPr>
-          <p:cNvPicPr>
-            <a:picLocks noChangeAspect="1"/>
-          </p:cNvPicPr>
-          <p:nvPr/>
-        </p:nvPicPr>
-        <p:blipFill rotWithShape="1">
-          <a:blip r:embed="rId3"/>
-          <a:srcRect l="42769" t="46500" r="-250" b="-1728"/>
-          <a:stretch/>
-        </p:blipFill>
-        <p:spPr>
-          <a:xfrm>
-            <a:off x="1152325" y="1240010"/>
-            <a:ext cx="7271675" cy="3108960"/>
-          </a:xfrm>
-          <a:prstGeom prst="rect">
-            <a:avLst/>
-          </a:prstGeom>
-        </p:spPr>
-      </p:pic>
-      <p:pic>
-        <p:nvPicPr>
           <p:cNvPr id="11" name="Picture 2" descr="SHACL shape validation in your own language | Joinup">
             <a:extLst>
               <a:ext uri="{FF2B5EF4-FFF2-40B4-BE49-F238E27FC236}">
@@ -22219,7 +22244,7 @@
           <p:nvPr/>
         </p:nvPicPr>
         <p:blipFill>
-          <a:blip r:embed="rId4"/>
+          <a:blip r:embed="rId3"/>
           <a:srcRect/>
           <a:stretch>
             <a:fillRect/>
@@ -22251,7 +22276,7 @@
           <p:nvPr/>
         </p:nvPicPr>
         <p:blipFill>
-          <a:blip r:embed="rId5"/>
+          <a:blip r:embed="rId4"/>
           <a:srcRect/>
           <a:stretch>
             <a:fillRect/>
@@ -22282,7 +22307,7 @@
           <p:nvPr/>
         </p:nvPicPr>
         <p:blipFill>
-          <a:blip r:embed="rId6"/>
+          <a:blip r:embed="rId5"/>
           <a:srcRect/>
           <a:stretch>
             <a:fillRect/>
@@ -22333,7 +22358,7 @@
             <p:nvPr/>
           </p:nvPicPr>
           <p:blipFill>
-            <a:blip r:embed="rId7"/>
+            <a:blip r:embed="rId6"/>
             <a:srcRect/>
             <a:stretch>
               <a:fillRect/>
@@ -22364,7 +22389,7 @@
             <p:nvPr/>
           </p:nvPicPr>
           <p:blipFill>
-            <a:blip r:embed="rId8"/>
+            <a:blip r:embed="rId7"/>
             <a:srcRect/>
             <a:stretch>
               <a:fillRect/>
@@ -22381,6 +22406,51 @@
           </p:spPr>
         </p:pic>
       </p:grpSp>
+      <p:pic>
+        <p:nvPicPr>
+          <p:cNvPr id="2" name="Picture 6">
+            <a:extLst>
+              <a:ext uri="{FF2B5EF4-FFF2-40B4-BE49-F238E27FC236}">
+                <a16:creationId xmlns:a16="http://schemas.microsoft.com/office/drawing/2014/main" id="{A3561FBF-B470-A94E-8120-6028283C7E8B}"/>
+              </a:ext>
+            </a:extLst>
+          </p:cNvPr>
+          <p:cNvPicPr>
+            <a:picLocks noChangeAspect="1" noChangeArrowheads="1"/>
+          </p:cNvPicPr>
+          <p:nvPr/>
+        </p:nvPicPr>
+        <p:blipFill rotWithShape="1">
+          <a:blip r:embed="rId8">
+            <a:extLst>
+              <a:ext uri="{28A0092B-C50C-407E-A947-70E740481C1C}">
+                <a14:useLocalDpi xmlns:a14="http://schemas.microsoft.com/office/drawing/2010/main" val="0"/>
+              </a:ext>
+            </a:extLst>
+          </a:blip>
+          <a:srcRect l="42792" t="45988" r="-632" b="-7002"/>
+          <a:stretch/>
+        </p:blipFill>
+        <p:spPr bwMode="auto">
+          <a:xfrm>
+            <a:off x="1534086" y="1492130"/>
+            <a:ext cx="6889914" cy="3206345"/>
+          </a:xfrm>
+          <a:prstGeom prst="rect">
+            <a:avLst/>
+          </a:prstGeom>
+          <a:noFill/>
+          <a:extLst>
+            <a:ext uri="{909E8E84-426E-40DD-AFC4-6F175D3DCCD1}">
+              <a14:hiddenFill xmlns:a14="http://schemas.microsoft.com/office/drawing/2010/main">
+                <a:solidFill>
+                  <a:srgbClr val="FFFFFF"/>
+                </a:solidFill>
+              </a14:hiddenFill>
+            </a:ext>
+          </a:extLst>
+        </p:spPr>
+      </p:pic>
     </p:spTree>
   </p:cSld>
   <p:clrMapOvr>
